--- a/Workflow chart.pptx
+++ b/Workflow chart.pptx
@@ -2268,8 +2268,8 @@
       </dsp:nvSpPr>
       <dsp:spPr>
         <a:xfrm>
-          <a:off x="4573" y="973370"/>
-          <a:ext cx="1999783" cy="1199870"/>
+          <a:off x="5022" y="1371662"/>
+          <a:ext cx="2196145" cy="1317687"/>
         </a:xfrm>
         <a:prstGeom prst="roundRect">
           <a:avLst>
@@ -2314,12 +2314,12 @@
         </a:fontRef>
       </dsp:style>
       <dsp:txBody>
-        <a:bodyPr spcFirstLastPara="0" vert="horz" wrap="square" lIns="72390" tIns="72390" rIns="72390" bIns="72390" numCol="1" spcCol="1270" anchor="t" anchorCtr="0">
+        <a:bodyPr spcFirstLastPara="0" vert="horz" wrap="square" lIns="80010" tIns="80010" rIns="80010" bIns="80010" numCol="1" spcCol="1270" anchor="t" anchorCtr="0">
           <a:noAutofit/>
         </a:bodyPr>
         <a:lstStyle/>
         <a:p>
-          <a:pPr lvl="0" algn="l" defTabSz="844550">
+          <a:pPr lvl="0" algn="l" defTabSz="933450">
             <a:lnSpc>
               <a:spcPct val="90000"/>
             </a:lnSpc>
@@ -2331,13 +2331,13 @@
             </a:spcAft>
           </a:pPr>
           <a:r>
-            <a:rPr lang="en-US" sz="1900" b="1" kern="1200" dirty="0" smtClean="0"/>
+            <a:rPr lang="en-US" sz="2100" b="1" kern="1200" dirty="0" smtClean="0"/>
             <a:t>GetVoxelLovation</a:t>
           </a:r>
-          <a:endParaRPr lang="en-US" sz="1900" b="1" kern="1200" dirty="0"/>
+          <a:endParaRPr lang="en-US" sz="2100" b="1" kern="1200" dirty="0"/>
         </a:p>
         <a:p>
-          <a:pPr marL="114300" lvl="1" indent="-114300" algn="l" defTabSz="666750">
+          <a:pPr marL="171450" lvl="1" indent="-171450" algn="l" defTabSz="711200">
             <a:lnSpc>
               <a:spcPct val="90000"/>
             </a:lnSpc>
@@ -2350,15 +2350,15 @@
             <a:buChar char="•"/>
           </a:pPr>
           <a:r>
-            <a:rPr lang="en-US" sz="1500" b="1" kern="1200" dirty="0" smtClean="0"/>
+            <a:rPr lang="en-US" sz="1600" b="1" kern="1200" dirty="0" smtClean="0"/>
             <a:t>Calls on Segment_Lacuna</a:t>
           </a:r>
-          <a:endParaRPr lang="en-US" sz="1500" b="1" kern="1200" dirty="0"/>
+          <a:endParaRPr lang="en-US" sz="1600" b="1" kern="1200" dirty="0"/>
         </a:p>
       </dsp:txBody>
       <dsp:txXfrm>
-        <a:off x="39716" y="1008513"/>
-        <a:ext cx="1929497" cy="1129584"/>
+        <a:off x="43616" y="1410256"/>
+        <a:ext cx="2118957" cy="1240499"/>
       </dsp:txXfrm>
     </dsp:sp>
     <dsp:sp modelId="{AD218C70-D5A7-B94D-A823-033F6B0220AA}">
@@ -2368,8 +2368,8 @@
       </dsp:nvSpPr>
       <dsp:spPr>
         <a:xfrm>
-          <a:off x="2204336" y="1325332"/>
-          <a:ext cx="423954" cy="495946"/>
+          <a:off x="2420782" y="1758184"/>
+          <a:ext cx="465582" cy="544643"/>
         </a:xfrm>
         <a:prstGeom prst="rightArrow">
           <a:avLst>
@@ -2411,7 +2411,7 @@
         </a:bodyPr>
         <a:lstStyle/>
         <a:p>
-          <a:pPr lvl="0" algn="ctr" defTabSz="711200">
+          <a:pPr lvl="0" algn="ctr" defTabSz="755650">
             <a:lnSpc>
               <a:spcPct val="90000"/>
             </a:lnSpc>
@@ -2422,12 +2422,12 @@
               <a:spcPct val="35000"/>
             </a:spcAft>
           </a:pPr>
-          <a:endParaRPr lang="en-US" sz="1600" b="1" kern="1200"/>
+          <a:endParaRPr lang="en-US" sz="1700" b="1" kern="1200"/>
         </a:p>
       </dsp:txBody>
       <dsp:txXfrm>
-        <a:off x="2204336" y="1424521"/>
-        <a:ext cx="296768" cy="297568"/>
+        <a:off x="2420782" y="1867113"/>
+        <a:ext cx="325907" cy="326785"/>
       </dsp:txXfrm>
     </dsp:sp>
     <dsp:sp modelId="{C0E52665-098E-7745-9CF0-070BB4B2319D}">
@@ -2437,8 +2437,8 @@
       </dsp:nvSpPr>
       <dsp:spPr>
         <a:xfrm>
-          <a:off x="2804271" y="973370"/>
-          <a:ext cx="1999783" cy="1199870"/>
+          <a:off x="3079625" y="1371662"/>
+          <a:ext cx="2196145" cy="1317687"/>
         </a:xfrm>
         <a:prstGeom prst="roundRect">
           <a:avLst>
@@ -2483,12 +2483,12 @@
         </a:fontRef>
       </dsp:style>
       <dsp:txBody>
-        <a:bodyPr spcFirstLastPara="0" vert="horz" wrap="square" lIns="72390" tIns="72390" rIns="72390" bIns="72390" numCol="1" spcCol="1270" anchor="ctr" anchorCtr="0">
+        <a:bodyPr spcFirstLastPara="0" vert="horz" wrap="square" lIns="80010" tIns="80010" rIns="80010" bIns="80010" numCol="1" spcCol="1270" anchor="ctr" anchorCtr="0">
           <a:noAutofit/>
         </a:bodyPr>
         <a:lstStyle/>
         <a:p>
-          <a:pPr lvl="0" algn="ctr" defTabSz="844550">
+          <a:pPr lvl="0" algn="ctr" defTabSz="933450">
             <a:lnSpc>
               <a:spcPct val="90000"/>
             </a:lnSpc>
@@ -2500,15 +2500,15 @@
             </a:spcAft>
           </a:pPr>
           <a:r>
-            <a:rPr lang="en-US" sz="1900" b="1" kern="1200" dirty="0" smtClean="0"/>
+            <a:rPr lang="en-US" sz="2100" b="1" kern="1200" dirty="0" smtClean="0"/>
             <a:t>Analyze_Lacunae</a:t>
           </a:r>
-          <a:endParaRPr lang="en-US" sz="1900" b="1" kern="1200" dirty="0"/>
+          <a:endParaRPr lang="en-US" sz="2100" b="1" kern="1200" dirty="0"/>
         </a:p>
       </dsp:txBody>
       <dsp:txXfrm>
-        <a:off x="2839414" y="1008513"/>
-        <a:ext cx="1929497" cy="1129584"/>
+        <a:off x="3118219" y="1410256"/>
+        <a:ext cx="2118957" cy="1240499"/>
       </dsp:txXfrm>
     </dsp:sp>
     <dsp:sp modelId="{91AD57B2-594A-F147-AA07-D5E420C2E089}">
@@ -2518,8 +2518,8 @@
       </dsp:nvSpPr>
       <dsp:spPr>
         <a:xfrm>
-          <a:off x="5004033" y="1325332"/>
-          <a:ext cx="423954" cy="495946"/>
+          <a:off x="5495385" y="1758184"/>
+          <a:ext cx="465582" cy="544643"/>
         </a:xfrm>
         <a:prstGeom prst="rightArrow">
           <a:avLst>
@@ -2561,7 +2561,7 @@
         </a:bodyPr>
         <a:lstStyle/>
         <a:p>
-          <a:pPr lvl="0" algn="ctr" defTabSz="711200">
+          <a:pPr lvl="0" algn="ctr" defTabSz="755650">
             <a:lnSpc>
               <a:spcPct val="90000"/>
             </a:lnSpc>
@@ -2572,12 +2572,12 @@
               <a:spcPct val="35000"/>
             </a:spcAft>
           </a:pPr>
-          <a:endParaRPr lang="en-US" sz="1600" b="1" kern="1200"/>
+          <a:endParaRPr lang="en-US" sz="1700" b="1" kern="1200"/>
         </a:p>
       </dsp:txBody>
       <dsp:txXfrm>
-        <a:off x="5004033" y="1424521"/>
-        <a:ext cx="296768" cy="297568"/>
+        <a:off x="5495385" y="1867113"/>
+        <a:ext cx="325907" cy="326785"/>
       </dsp:txXfrm>
     </dsp:sp>
     <dsp:sp modelId="{89C23670-C633-2D43-80E3-3AC515F444AA}">
@@ -2587,8 +2587,8 @@
       </dsp:nvSpPr>
       <dsp:spPr>
         <a:xfrm>
-          <a:off x="5603968" y="973370"/>
-          <a:ext cx="1999783" cy="1199870"/>
+          <a:off x="6154229" y="1371662"/>
+          <a:ext cx="2196145" cy="1317687"/>
         </a:xfrm>
         <a:prstGeom prst="roundRect">
           <a:avLst>
@@ -2633,12 +2633,12 @@
         </a:fontRef>
       </dsp:style>
       <dsp:txBody>
-        <a:bodyPr spcFirstLastPara="0" vert="horz" wrap="square" lIns="72390" tIns="72390" rIns="72390" bIns="72390" numCol="1" spcCol="1270" anchor="ctr" anchorCtr="0">
+        <a:bodyPr spcFirstLastPara="0" vert="horz" wrap="square" lIns="80010" tIns="80010" rIns="80010" bIns="80010" numCol="1" spcCol="1270" anchor="ctr" anchorCtr="0">
           <a:noAutofit/>
         </a:bodyPr>
         <a:lstStyle/>
         <a:p>
-          <a:pPr lvl="0" algn="ctr" defTabSz="844550">
+          <a:pPr lvl="0" algn="ctr" defTabSz="933450">
             <a:lnSpc>
               <a:spcPct val="90000"/>
             </a:lnSpc>
@@ -2650,14 +2650,14 @@
             </a:spcAft>
           </a:pPr>
           <a:r>
-            <a:rPr lang="en-US" sz="1900" b="1" kern="1200" dirty="0" smtClean="0"/>
+            <a:rPr lang="en-US" sz="2100" b="1" kern="1200" dirty="0" smtClean="0"/>
             <a:t>Graphlacunae</a:t>
           </a:r>
         </a:p>
       </dsp:txBody>
       <dsp:txXfrm>
-        <a:off x="5639111" y="1008513"/>
-        <a:ext cx="1929497" cy="1129584"/>
+        <a:off x="6192823" y="1410256"/>
+        <a:ext cx="2118957" cy="1240499"/>
       </dsp:txXfrm>
     </dsp:sp>
     <dsp:sp modelId="{ECB22F61-075A-C74F-82EB-0D4DB832E6A7}">
@@ -2667,8 +2667,8 @@
       </dsp:nvSpPr>
       <dsp:spPr>
         <a:xfrm>
-          <a:off x="7803731" y="1325332"/>
-          <a:ext cx="423954" cy="495946"/>
+          <a:off x="8569988" y="1758184"/>
+          <a:ext cx="465582" cy="544643"/>
         </a:xfrm>
         <a:prstGeom prst="rightArrow">
           <a:avLst>
@@ -2710,7 +2710,7 @@
         </a:bodyPr>
         <a:lstStyle/>
         <a:p>
-          <a:pPr lvl="0" algn="ctr" defTabSz="711200" rtl="0">
+          <a:pPr lvl="0" algn="ctr" defTabSz="755650" rtl="0">
             <a:lnSpc>
               <a:spcPct val="90000"/>
             </a:lnSpc>
@@ -2721,12 +2721,12 @@
               <a:spcPct val="35000"/>
             </a:spcAft>
           </a:pPr>
-          <a:endParaRPr lang="en-US" sz="1600" b="1" kern="1200"/>
+          <a:endParaRPr lang="en-US" sz="1700" b="1" kern="1200"/>
         </a:p>
       </dsp:txBody>
       <dsp:txXfrm>
-        <a:off x="7803731" y="1424521"/>
-        <a:ext cx="296768" cy="297568"/>
+        <a:off x="8569988" y="1867113"/>
+        <a:ext cx="325907" cy="326785"/>
       </dsp:txXfrm>
     </dsp:sp>
     <dsp:sp modelId="{4FEE04D3-FE1E-D24F-8636-6E358D69A89E}">
@@ -2736,8 +2736,8 @@
       </dsp:nvSpPr>
       <dsp:spPr>
         <a:xfrm>
-          <a:off x="8403666" y="973370"/>
-          <a:ext cx="1999783" cy="1199870"/>
+          <a:off x="9228832" y="1371662"/>
+          <a:ext cx="2196145" cy="1317687"/>
         </a:xfrm>
         <a:prstGeom prst="roundRect">
           <a:avLst>
@@ -2782,12 +2782,12 @@
         </a:fontRef>
       </dsp:style>
       <dsp:txBody>
-        <a:bodyPr spcFirstLastPara="0" vert="horz" wrap="square" lIns="72390" tIns="72390" rIns="72390" bIns="72390" numCol="1" spcCol="1270" anchor="ctr" anchorCtr="0">
+        <a:bodyPr spcFirstLastPara="0" vert="horz" wrap="square" lIns="80010" tIns="80010" rIns="80010" bIns="80010" numCol="1" spcCol="1270" anchor="ctr" anchorCtr="0">
           <a:noAutofit/>
         </a:bodyPr>
         <a:lstStyle/>
         <a:p>
-          <a:pPr lvl="0" algn="ctr" defTabSz="844550">
+          <a:pPr lvl="0" algn="ctr" defTabSz="933450">
             <a:lnSpc>
               <a:spcPct val="90000"/>
             </a:lnSpc>
@@ -2799,14 +2799,14 @@
             </a:spcAft>
           </a:pPr>
           <a:r>
-            <a:rPr lang="en-US" sz="1900" b="1" kern="1200" dirty="0" smtClean="0"/>
+            <a:rPr lang="en-US" sz="2100" b="1" kern="1200" dirty="0" smtClean="0"/>
             <a:t>Sphericity</a:t>
           </a:r>
         </a:p>
       </dsp:txBody>
       <dsp:txXfrm>
-        <a:off x="8438809" y="1008513"/>
-        <a:ext cx="1929497" cy="1129584"/>
+        <a:off x="9267426" y="1410256"/>
+        <a:ext cx="2118957" cy="1240499"/>
       </dsp:txXfrm>
     </dsp:sp>
   </dsp:spTree>
@@ -8428,14 +8428,14 @@
           <p:nvPr>
             <p:extLst>
               <p:ext uri="{D42A27DB-BD31-4B8C-83A1-F6EECF244321}">
-                <p14:modId xmlns:p14="http://schemas.microsoft.com/office/powerpoint/2010/main" val="1341569638"/>
+                <p14:modId xmlns:p14="http://schemas.microsoft.com/office/powerpoint/2010/main" val="1449856379"/>
               </p:ext>
             </p:extLst>
           </p:nvPr>
         </p:nvGraphicFramePr>
         <p:xfrm>
-          <a:off x="860612" y="1183341"/>
-          <a:ext cx="10408024" cy="3146612"/>
+          <a:off x="363071" y="537883"/>
+          <a:ext cx="11430000" cy="4061012"/>
         </p:xfrm>
         <a:graphic>
           <a:graphicData uri="http://schemas.openxmlformats.org/drawingml/2006/diagram">
